--- a/ppt/Folien v2.pptx
+++ b/ppt/Folien v2.pptx
@@ -199,7 +199,7 @@
           <a:bodyPr anchor="b" bIns="0" lIns="0" rIns="0" tIns="0" wrap="none"/>
           <a:p>
             <a:pPr algn="r"/>
-            <a:fld id="{21D151F1-21E1-41F1-9101-612131B16171}" type="slidenum">
+            <a:fld id="{F181D1B1-4111-4161-91B1-2100E12181E1}" type="slidenum">
               <a:rPr lang="en-US"/>
               <a:t>&lt;number&gt;</a:t>
             </a:fld>
@@ -243,7 +243,7 @@
         <p:spPr>
           <a:xfrm>
             <a:off x="0" y="0"/>
-            <a:ext cx="11795400" cy="11795400"/>
+            <a:ext cx="11795040" cy="11795040"/>
           </a:xfrm>
           <a:prstGeom prst="rect">
             <a:avLst/>
@@ -265,7 +265,7 @@
         <p:spPr>
           <a:xfrm>
             <a:off x="0" y="0"/>
-            <a:ext cx="11795400" cy="11795400"/>
+            <a:ext cx="11795040" cy="11795040"/>
           </a:xfrm>
           <a:prstGeom prst="rect">
             <a:avLst/>
@@ -279,7 +279,7 @@
                 <a:spcPct val="100000"/>
               </a:lnSpc>
             </a:pPr>
-            <a:fld id="{51C1E1D1-61D1-4191-B101-91D12131B1C1}" type="slidenum">
+            <a:fld id="{91B1C171-0111-4171-A1B1-41911181D171}" type="slidenum">
               <a:rPr lang="en-US">
                 <a:solidFill>
                   <a:srgbClr val="000000"/>
@@ -328,7 +328,7 @@
         <p:spPr>
           <a:xfrm>
             <a:off x="0" y="0"/>
-            <a:ext cx="11795400" cy="11795400"/>
+            <a:ext cx="11795040" cy="11795040"/>
           </a:xfrm>
           <a:prstGeom prst="rect">
             <a:avLst/>
@@ -350,7 +350,7 @@
         <p:spPr>
           <a:xfrm>
             <a:off x="0" y="0"/>
-            <a:ext cx="11795400" cy="11795400"/>
+            <a:ext cx="11795040" cy="11795040"/>
           </a:xfrm>
           <a:prstGeom prst="rect">
             <a:avLst/>
@@ -364,7 +364,7 @@
                 <a:spcPct val="100000"/>
               </a:lnSpc>
             </a:pPr>
-            <a:fld id="{31812141-8181-41F1-9171-611171E15151}" type="slidenum">
+            <a:fld id="{41A1A1C1-E1F1-4101-A141-31018161B101}" type="slidenum">
               <a:rPr lang="en-US">
                 <a:solidFill>
                   <a:srgbClr val="000000"/>
@@ -413,7 +413,7 @@
         <p:spPr>
           <a:xfrm>
             <a:off x="0" y="0"/>
-            <a:ext cx="11795400" cy="11795400"/>
+            <a:ext cx="11795040" cy="11795040"/>
           </a:xfrm>
           <a:prstGeom prst="rect">
             <a:avLst/>
@@ -435,7 +435,7 @@
         <p:spPr>
           <a:xfrm>
             <a:off x="0" y="0"/>
-            <a:ext cx="11795400" cy="11795400"/>
+            <a:ext cx="11795040" cy="11795040"/>
           </a:xfrm>
           <a:prstGeom prst="rect">
             <a:avLst/>
@@ -449,7 +449,7 @@
                 <a:spcPct val="100000"/>
               </a:lnSpc>
             </a:pPr>
-            <a:fld id="{319121E1-81F1-4141-A1C1-010101D171D1}" type="slidenum">
+            <a:fld id="{81D16101-71D1-4131-8171-D1C19111C141}" type="slidenum">
               <a:rPr lang="en-US">
                 <a:solidFill>
                   <a:srgbClr val="000000"/>
@@ -498,7 +498,7 @@
         <p:spPr>
           <a:xfrm>
             <a:off x="0" y="0"/>
-            <a:ext cx="11795400" cy="11795400"/>
+            <a:ext cx="11795040" cy="11795040"/>
           </a:xfrm>
           <a:prstGeom prst="rect">
             <a:avLst/>
@@ -520,7 +520,7 @@
         <p:spPr>
           <a:xfrm>
             <a:off x="0" y="0"/>
-            <a:ext cx="11795400" cy="11795400"/>
+            <a:ext cx="11795040" cy="11795040"/>
           </a:xfrm>
           <a:prstGeom prst="rect">
             <a:avLst/>
@@ -534,7 +534,7 @@
                 <a:spcPct val="100000"/>
               </a:lnSpc>
             </a:pPr>
-            <a:fld id="{71E19191-F151-4151-B151-B141E1E1C191}" type="slidenum">
+            <a:fld id="{B171B151-9181-4181-8171-A121F151E1F1}" type="slidenum">
               <a:rPr lang="en-US">
                 <a:solidFill>
                   <a:srgbClr val="000000"/>
@@ -583,7 +583,7 @@
         <p:spPr>
           <a:xfrm>
             <a:off x="0" y="0"/>
-            <a:ext cx="11795400" cy="11795400"/>
+            <a:ext cx="11795040" cy="11795040"/>
           </a:xfrm>
           <a:prstGeom prst="rect">
             <a:avLst/>
@@ -605,7 +605,7 @@
         <p:spPr>
           <a:xfrm>
             <a:off x="0" y="0"/>
-            <a:ext cx="11795400" cy="11795400"/>
+            <a:ext cx="11795040" cy="11795040"/>
           </a:xfrm>
           <a:prstGeom prst="rect">
             <a:avLst/>
@@ -619,7 +619,7 @@
                 <a:spcPct val="100000"/>
               </a:lnSpc>
             </a:pPr>
-            <a:fld id="{913131A1-F1B1-4101-9121-B161A12131F1}" type="slidenum">
+            <a:fld id="{6121D181-2111-4161-A191-D11181B1A121}" type="slidenum">
               <a:rPr lang="en-US">
                 <a:solidFill>
                   <a:srgbClr val="000000"/>
@@ -668,7 +668,7 @@
         <p:spPr>
           <a:xfrm>
             <a:off x="0" y="0"/>
-            <a:ext cx="11795400" cy="11795400"/>
+            <a:ext cx="11795040" cy="11795040"/>
           </a:xfrm>
           <a:prstGeom prst="rect">
             <a:avLst/>
@@ -694,7 +694,7 @@
         <p:spPr>
           <a:xfrm>
             <a:off x="0" y="0"/>
-            <a:ext cx="11795400" cy="11795400"/>
+            <a:ext cx="11795040" cy="11795040"/>
           </a:xfrm>
           <a:prstGeom prst="rect">
             <a:avLst/>
@@ -708,7 +708,7 @@
                 <a:spcPct val="100000"/>
               </a:lnSpc>
             </a:pPr>
-            <a:fld id="{01718171-9101-4191-81D1-A1F1918131F1}" type="slidenum">
+            <a:fld id="{81B131C1-E1D1-4161-9141-11712181D121}" type="slidenum">
               <a:rPr lang="en-US">
                 <a:solidFill>
                   <a:srgbClr val="000000"/>
@@ -757,7 +757,7 @@
         <p:spPr>
           <a:xfrm>
             <a:off x="0" y="0"/>
-            <a:ext cx="11795400" cy="11795400"/>
+            <a:ext cx="11795040" cy="11795040"/>
           </a:xfrm>
           <a:prstGeom prst="rect">
             <a:avLst/>
@@ -779,7 +779,7 @@
         <p:spPr>
           <a:xfrm>
             <a:off x="0" y="0"/>
-            <a:ext cx="11795400" cy="11795400"/>
+            <a:ext cx="11795040" cy="11795040"/>
           </a:xfrm>
           <a:prstGeom prst="rect">
             <a:avLst/>
@@ -793,7 +793,7 @@
                 <a:spcPct val="100000"/>
               </a:lnSpc>
             </a:pPr>
-            <a:fld id="{7111D181-B121-41B1-91C1-8171212171F1}" type="slidenum">
+            <a:fld id="{0141F1E1-31B1-4101-B191-1181D1F1A161}" type="slidenum">
               <a:rPr lang="en-US">
                 <a:solidFill>
                   <a:srgbClr val="000000"/>
@@ -842,7 +842,7 @@
         <p:spPr>
           <a:xfrm>
             <a:off x="0" y="0"/>
-            <a:ext cx="11795400" cy="11795400"/>
+            <a:ext cx="11795040" cy="11795040"/>
           </a:xfrm>
           <a:prstGeom prst="rect">
             <a:avLst/>
@@ -921,7 +921,7 @@
         <p:spPr>
           <a:xfrm>
             <a:off x="0" y="0"/>
-            <a:ext cx="11795400" cy="11795400"/>
+            <a:ext cx="11795040" cy="11795040"/>
           </a:xfrm>
           <a:prstGeom prst="rect">
             <a:avLst/>
@@ -935,7 +935,7 @@
                 <a:spcPct val="100000"/>
               </a:lnSpc>
             </a:pPr>
-            <a:fld id="{D1F1C1C1-71A1-41E1-B191-11F16131F1B1}" type="slidenum">
+            <a:fld id="{61E13111-11A1-4141-9141-311121F1A111}" type="slidenum">
               <a:rPr lang="en-US">
                 <a:solidFill>
                   <a:srgbClr val="000000"/>
@@ -984,7 +984,7 @@
         <p:spPr>
           <a:xfrm>
             <a:off x="0" y="0"/>
-            <a:ext cx="11795400" cy="11795400"/>
+            <a:ext cx="11795040" cy="11795040"/>
           </a:xfrm>
           <a:prstGeom prst="rect">
             <a:avLst/>
@@ -1006,7 +1006,7 @@
         <p:spPr>
           <a:xfrm>
             <a:off x="0" y="0"/>
-            <a:ext cx="11795400" cy="11795400"/>
+            <a:ext cx="11795040" cy="11795040"/>
           </a:xfrm>
           <a:prstGeom prst="rect">
             <a:avLst/>
@@ -1020,7 +1020,7 @@
                 <a:spcPct val="100000"/>
               </a:lnSpc>
             </a:pPr>
-            <a:fld id="{114111C1-6131-41B1-B141-C131A1B141F1}" type="slidenum">
+            <a:fld id="{21F1F161-3111-4151-9151-71C1D151A1C1}" type="slidenum">
               <a:rPr lang="en-US">
                 <a:solidFill>
                   <a:srgbClr val="000000"/>
@@ -1069,7 +1069,7 @@
         <p:spPr>
           <a:xfrm>
             <a:off x="0" y="0"/>
-            <a:ext cx="11795400" cy="11795400"/>
+            <a:ext cx="11795040" cy="11795040"/>
           </a:xfrm>
           <a:prstGeom prst="rect">
             <a:avLst/>
@@ -1132,7 +1132,7 @@
         <p:spPr>
           <a:xfrm>
             <a:off x="0" y="0"/>
-            <a:ext cx="11795400" cy="11795400"/>
+            <a:ext cx="11795040" cy="11795040"/>
           </a:xfrm>
           <a:prstGeom prst="rect">
             <a:avLst/>
@@ -1146,7 +1146,7 @@
                 <a:spcPct val="100000"/>
               </a:lnSpc>
             </a:pPr>
-            <a:fld id="{E1B16141-9151-41F1-91A1-31F191919111}" type="slidenum">
+            <a:fld id="{11618121-D191-41C1-91D1-8131B111D1F1}" type="slidenum">
               <a:rPr lang="en-US">
                 <a:solidFill>
                   <a:srgbClr val="000000"/>
@@ -1195,7 +1195,7 @@
         <p:spPr>
           <a:xfrm>
             <a:off x="0" y="0"/>
-            <a:ext cx="11795400" cy="11795400"/>
+            <a:ext cx="11795040" cy="11795040"/>
           </a:xfrm>
           <a:prstGeom prst="rect">
             <a:avLst/>
@@ -1258,7 +1258,7 @@
         <p:spPr>
           <a:xfrm>
             <a:off x="0" y="0"/>
-            <a:ext cx="11795400" cy="11795400"/>
+            <a:ext cx="11795040" cy="11795040"/>
           </a:xfrm>
           <a:prstGeom prst="rect">
             <a:avLst/>
@@ -1272,7 +1272,7 @@
                 <a:spcPct val="100000"/>
               </a:lnSpc>
             </a:pPr>
-            <a:fld id="{D1912181-4171-41C1-8131-B1E1D16181E1}" type="slidenum">
+            <a:fld id="{91D171F1-C191-41A1-B141-81E171E10141}" type="slidenum">
               <a:rPr lang="en-US">
                 <a:solidFill>
                   <a:srgbClr val="000000"/>
@@ -1321,7 +1321,7 @@
         <p:spPr>
           <a:xfrm>
             <a:off x="0" y="0"/>
-            <a:ext cx="11795400" cy="11795400"/>
+            <a:ext cx="11795040" cy="11795040"/>
           </a:xfrm>
           <a:prstGeom prst="rect">
             <a:avLst/>
@@ -1343,7 +1343,7 @@
         <p:spPr>
           <a:xfrm>
             <a:off x="0" y="0"/>
-            <a:ext cx="11795400" cy="11795400"/>
+            <a:ext cx="11795040" cy="11795040"/>
           </a:xfrm>
           <a:prstGeom prst="rect">
             <a:avLst/>
@@ -1357,7 +1357,7 @@
                 <a:spcPct val="100000"/>
               </a:lnSpc>
             </a:pPr>
-            <a:fld id="{41015141-01E1-4161-A1B1-B141C1515101}" type="slidenum">
+            <a:fld id="{F1915171-E161-41C1-81B1-81A131115111}" type="slidenum">
               <a:rPr lang="en-US">
                 <a:solidFill>
                   <a:srgbClr val="000000"/>
@@ -1406,7 +1406,7 @@
         <p:spPr>
           <a:xfrm>
             <a:off x="0" y="0"/>
-            <a:ext cx="11795400" cy="11795400"/>
+            <a:ext cx="11795040" cy="11795040"/>
           </a:xfrm>
           <a:prstGeom prst="rect">
             <a:avLst/>
@@ -1428,7 +1428,7 @@
         <p:spPr>
           <a:xfrm>
             <a:off x="0" y="0"/>
-            <a:ext cx="11795400" cy="11795400"/>
+            <a:ext cx="11795040" cy="11795040"/>
           </a:xfrm>
           <a:prstGeom prst="rect">
             <a:avLst/>
@@ -1442,7 +1442,7 @@
                 <a:spcPct val="100000"/>
               </a:lnSpc>
             </a:pPr>
-            <a:fld id="{2121E1A1-3181-4131-B151-E141313161F1}" type="slidenum">
+            <a:fld id="{41413191-6101-4131-8141-E1A141815151}" type="slidenum">
               <a:rPr lang="en-US">
                 <a:solidFill>
                   <a:srgbClr val="000000"/>
@@ -1491,7 +1491,7 @@
         <p:spPr>
           <a:xfrm>
             <a:off x="0" y="0"/>
-            <a:ext cx="11795400" cy="11795400"/>
+            <a:ext cx="11795040" cy="11795040"/>
           </a:xfrm>
           <a:prstGeom prst="rect">
             <a:avLst/>
@@ -1513,7 +1513,7 @@
         <p:spPr>
           <a:xfrm>
             <a:off x="0" y="0"/>
-            <a:ext cx="11795400" cy="11795400"/>
+            <a:ext cx="11795040" cy="11795040"/>
           </a:xfrm>
           <a:prstGeom prst="rect">
             <a:avLst/>
@@ -1527,7 +1527,7 @@
                 <a:spcPct val="100000"/>
               </a:lnSpc>
             </a:pPr>
-            <a:fld id="{D1C1E1A1-8101-4141-91C1-1181C141A191}" type="slidenum">
+            <a:fld id="{8121C151-51E1-4121-9121-11B1B1E14121}" type="slidenum">
               <a:rPr lang="en-US">
                 <a:solidFill>
                   <a:srgbClr val="000000"/>
@@ -1576,7 +1576,7 @@
         <p:spPr>
           <a:xfrm>
             <a:off x="0" y="0"/>
-            <a:ext cx="11795400" cy="11795400"/>
+            <a:ext cx="11795040" cy="11795040"/>
           </a:xfrm>
           <a:prstGeom prst="rect">
             <a:avLst/>
@@ -1598,7 +1598,7 @@
         <p:spPr>
           <a:xfrm>
             <a:off x="0" y="0"/>
-            <a:ext cx="11795400" cy="11795400"/>
+            <a:ext cx="11795040" cy="11795040"/>
           </a:xfrm>
           <a:prstGeom prst="rect">
             <a:avLst/>
@@ -1612,7 +1612,7 @@
                 <a:spcPct val="100000"/>
               </a:lnSpc>
             </a:pPr>
-            <a:fld id="{41C1B161-A1E1-41C1-9151-6131C1A1E131}" type="slidenum">
+            <a:fld id="{2131E131-3131-41A1-B191-4131C1B1B181}" type="slidenum">
               <a:rPr lang="en-US">
                 <a:solidFill>
                   <a:srgbClr val="000000"/>
@@ -1661,7 +1661,7 @@
         <p:spPr>
           <a:xfrm>
             <a:off x="0" y="0"/>
-            <a:ext cx="11795400" cy="11795400"/>
+            <a:ext cx="11795040" cy="11795040"/>
           </a:xfrm>
           <a:prstGeom prst="rect">
             <a:avLst/>
@@ -1700,7 +1700,7 @@
         <p:spPr>
           <a:xfrm>
             <a:off x="0" y="0"/>
-            <a:ext cx="11795400" cy="11795400"/>
+            <a:ext cx="11795040" cy="11795040"/>
           </a:xfrm>
           <a:prstGeom prst="rect">
             <a:avLst/>
@@ -1714,7 +1714,7 @@
                 <a:spcPct val="100000"/>
               </a:lnSpc>
             </a:pPr>
-            <a:fld id="{61612111-7191-41D1-81A1-5141916191E1}" type="slidenum">
+            <a:fld id="{B101E100-D1D1-4101-81F1-D13191111151}" type="slidenum">
               <a:rPr lang="en-US">
                 <a:solidFill>
                   <a:srgbClr val="000000"/>
@@ -1763,7 +1763,7 @@
         <p:spPr>
           <a:xfrm>
             <a:off x="0" y="0"/>
-            <a:ext cx="11795400" cy="11795400"/>
+            <a:ext cx="11795040" cy="11795040"/>
           </a:xfrm>
           <a:prstGeom prst="rect">
             <a:avLst/>
@@ -1802,7 +1802,7 @@
         <p:spPr>
           <a:xfrm>
             <a:off x="0" y="0"/>
-            <a:ext cx="11795400" cy="11795400"/>
+            <a:ext cx="11795040" cy="11795040"/>
           </a:xfrm>
           <a:prstGeom prst="rect">
             <a:avLst/>
@@ -1816,7 +1816,7 @@
                 <a:spcPct val="100000"/>
               </a:lnSpc>
             </a:pPr>
-            <a:fld id="{11E10161-C121-41C1-A181-71E1D1110101}" type="slidenum">
+            <a:fld id="{71715101-D1B1-4111-B141-71D1B1B15121}" type="slidenum">
               <a:rPr lang="en-US">
                 <a:solidFill>
                   <a:srgbClr val="000000"/>
@@ -1865,7 +1865,7 @@
         <p:spPr>
           <a:xfrm>
             <a:off x="0" y="0"/>
-            <a:ext cx="11795400" cy="11795400"/>
+            <a:ext cx="11795040" cy="11795040"/>
           </a:xfrm>
           <a:prstGeom prst="rect">
             <a:avLst/>
@@ -1904,7 +1904,7 @@
         <p:spPr>
           <a:xfrm>
             <a:off x="0" y="0"/>
-            <a:ext cx="11795400" cy="11795400"/>
+            <a:ext cx="11795040" cy="11795040"/>
           </a:xfrm>
           <a:prstGeom prst="rect">
             <a:avLst/>
@@ -1918,7 +1918,7 @@
                 <a:spcPct val="100000"/>
               </a:lnSpc>
             </a:pPr>
-            <a:fld id="{A1816151-61D1-4181-91C1-9161B1E15121}" type="slidenum">
+            <a:fld id="{81C1C1E1-D141-4181-81E1-011111E1B171}" type="slidenum">
               <a:rPr lang="en-US">
                 <a:solidFill>
                   <a:srgbClr val="000000"/>
@@ -1967,7 +1967,7 @@
         <p:spPr>
           <a:xfrm>
             <a:off x="0" y="0"/>
-            <a:ext cx="11795400" cy="11795400"/>
+            <a:ext cx="11795040" cy="11795040"/>
           </a:xfrm>
           <a:prstGeom prst="rect">
             <a:avLst/>
@@ -1989,7 +1989,7 @@
         <p:spPr>
           <a:xfrm>
             <a:off x="0" y="0"/>
-            <a:ext cx="11795400" cy="11795400"/>
+            <a:ext cx="11795040" cy="11795040"/>
           </a:xfrm>
           <a:prstGeom prst="rect">
             <a:avLst/>
@@ -2003,7 +2003,7 @@
                 <a:spcPct val="100000"/>
               </a:lnSpc>
             </a:pPr>
-            <a:fld id="{A1F14161-B111-4141-A121-4141814191B1}" type="slidenum">
+            <a:fld id="{8181E181-D1B1-4181-A1F1-B1D1515181F1}" type="slidenum">
               <a:rPr lang="en-US">
                 <a:solidFill>
                   <a:srgbClr val="000000"/>
@@ -2052,7 +2052,7 @@
         <p:spPr>
           <a:xfrm>
             <a:off x="0" y="0"/>
-            <a:ext cx="11795400" cy="11795400"/>
+            <a:ext cx="11795040" cy="11795040"/>
           </a:xfrm>
           <a:prstGeom prst="rect">
             <a:avLst/>
@@ -2125,7 +2125,7 @@
         <p:spPr>
           <a:xfrm>
             <a:off x="0" y="0"/>
-            <a:ext cx="11795400" cy="11795400"/>
+            <a:ext cx="11795040" cy="11795040"/>
           </a:xfrm>
           <a:prstGeom prst="rect">
             <a:avLst/>
@@ -2139,7 +2139,7 @@
                 <a:spcPct val="100000"/>
               </a:lnSpc>
             </a:pPr>
-            <a:fld id="{31E16161-1101-4131-A111-4101115141E1}" type="slidenum">
+            <a:fld id="{31A10181-5101-4111-9101-31B101A13111}" type="slidenum">
               <a:rPr lang="en-US">
                 <a:solidFill>
                   <a:srgbClr val="000000"/>
@@ -2188,7 +2188,7 @@
         <p:spPr>
           <a:xfrm>
             <a:off x="0" y="0"/>
-            <a:ext cx="11795400" cy="11795400"/>
+            <a:ext cx="11795040" cy="11795040"/>
           </a:xfrm>
           <a:prstGeom prst="rect">
             <a:avLst/>
@@ -2210,7 +2210,7 @@
         <p:spPr>
           <a:xfrm>
             <a:off x="0" y="0"/>
-            <a:ext cx="11795400" cy="11795400"/>
+            <a:ext cx="11795040" cy="11795040"/>
           </a:xfrm>
           <a:prstGeom prst="rect">
             <a:avLst/>
@@ -2224,7 +2224,7 @@
                 <a:spcPct val="100000"/>
               </a:lnSpc>
             </a:pPr>
-            <a:fld id="{E141F1E1-2181-4191-8141-218171C11101}" type="slidenum">
+            <a:fld id="{B1E1A171-2101-4191-9121-3161B1C171A1}" type="slidenum">
               <a:rPr lang="en-US">
                 <a:solidFill>
                   <a:srgbClr val="000000"/>
@@ -2273,7 +2273,7 @@
         <p:spPr>
           <a:xfrm>
             <a:off x="0" y="0"/>
-            <a:ext cx="11795400" cy="11795400"/>
+            <a:ext cx="11795040" cy="11795040"/>
           </a:xfrm>
           <a:prstGeom prst="rect">
             <a:avLst/>
@@ -2295,7 +2295,7 @@
         <p:spPr>
           <a:xfrm>
             <a:off x="0" y="0"/>
-            <a:ext cx="11795400" cy="11795400"/>
+            <a:ext cx="11795040" cy="11795040"/>
           </a:xfrm>
           <a:prstGeom prst="rect">
             <a:avLst/>
@@ -2309,7 +2309,7 @@
                 <a:spcPct val="100000"/>
               </a:lnSpc>
             </a:pPr>
-            <a:fld id="{E121E151-31B1-4151-81F1-51E1C141B1E1}" type="slidenum">
+            <a:fld id="{11C141B1-4151-4121-B111-2151C1E1A191}" type="slidenum">
               <a:rPr lang="en-US">
                 <a:solidFill>
                   <a:srgbClr val="000000"/>
@@ -4934,7 +4934,7 @@
         <p:spPr>
           <a:xfrm>
             <a:off x="714240" y="2132640"/>
-            <a:ext cx="7770600" cy="1582560"/>
+            <a:ext cx="7770240" cy="1582200"/>
           </a:xfrm>
           <a:prstGeom prst="rect">
             <a:avLst/>
@@ -4979,7 +4979,7 @@
         <p:spPr>
           <a:xfrm>
             <a:off x="493200" y="5841360"/>
-            <a:ext cx="3213000" cy="514080"/>
+            <a:ext cx="3212640" cy="513720"/>
           </a:xfrm>
           <a:prstGeom prst="rect">
             <a:avLst/>
@@ -5015,7 +5015,7 @@
         <p:spPr>
           <a:xfrm>
             <a:off x="3715200" y="5748120"/>
-            <a:ext cx="5103720" cy="700560"/>
+            <a:ext cx="5103360" cy="700200"/>
           </a:xfrm>
           <a:prstGeom prst="rect">
             <a:avLst/>
@@ -5141,7 +5141,7 @@
         <p:spPr>
           <a:xfrm>
             <a:off x="457200" y="160920"/>
-            <a:ext cx="8227800" cy="790200"/>
+            <a:ext cx="8227440" cy="789840"/>
           </a:xfrm>
           <a:prstGeom prst="rect">
             <a:avLst/>
@@ -5177,7 +5177,7 @@
         <p:spPr>
           <a:xfrm>
             <a:off x="539640" y="1109880"/>
-            <a:ext cx="8351280" cy="4294440"/>
+            <a:ext cx="8350920" cy="4294080"/>
           </a:xfrm>
           <a:prstGeom prst="rect">
             <a:avLst/>
@@ -5354,7 +5354,7 @@
         <p:spPr>
           <a:xfrm>
             <a:off x="457200" y="160920"/>
-            <a:ext cx="8227800" cy="790200"/>
+            <a:ext cx="8227440" cy="789840"/>
           </a:xfrm>
           <a:prstGeom prst="rect">
             <a:avLst/>
@@ -5390,7 +5390,7 @@
         <p:spPr>
           <a:xfrm>
             <a:off x="251640" y="879120"/>
-            <a:ext cx="8711280" cy="5957640"/>
+            <a:ext cx="8710920" cy="5957280"/>
           </a:xfrm>
           <a:prstGeom prst="rect">
             <a:avLst/>
@@ -5416,7 +5416,7 @@
             <a:endParaRPr/>
           </a:p>
           <a:p>
-            <a:pPr>
+            <a:pPr algn="ctr">
               <a:lnSpc>
                 <a:spcPct val="100000"/>
               </a:lnSpc>
@@ -5433,7 +5433,7 @@
             <a:endParaRPr/>
           </a:p>
           <a:p>
-            <a:pPr>
+            <a:pPr algn="ctr">
               <a:lnSpc>
                 <a:spcPct val="100000"/>
               </a:lnSpc>
@@ -5450,7 +5450,7 @@
             <a:endParaRPr/>
           </a:p>
           <a:p>
-            <a:pPr>
+            <a:pPr algn="ctr">
               <a:lnSpc>
                 <a:spcPct val="100000"/>
               </a:lnSpc>
@@ -5467,7 +5467,7 @@
             <a:endParaRPr/>
           </a:p>
           <a:p>
-            <a:pPr>
+            <a:pPr algn="ctr">
               <a:lnSpc>
                 <a:spcPct val="100000"/>
               </a:lnSpc>
@@ -5484,7 +5484,7 @@
             <a:endParaRPr/>
           </a:p>
           <a:p>
-            <a:pPr>
+            <a:pPr algn="ctr">
               <a:lnSpc>
                 <a:spcPct val="100000"/>
               </a:lnSpc>
@@ -5501,7 +5501,7 @@
             <a:endParaRPr/>
           </a:p>
           <a:p>
-            <a:pPr>
+            <a:pPr algn="ctr">
               <a:lnSpc>
                 <a:spcPct val="100000"/>
               </a:lnSpc>
@@ -5518,7 +5518,7 @@
             <a:endParaRPr/>
           </a:p>
           <a:p>
-            <a:pPr>
+            <a:pPr algn="ctr">
               <a:lnSpc>
                 <a:spcPct val="100000"/>
               </a:lnSpc>
@@ -5535,7 +5535,7 @@
             <a:endParaRPr/>
           </a:p>
           <a:p>
-            <a:pPr>
+            <a:pPr algn="ctr">
               <a:lnSpc>
                 <a:spcPct val="100000"/>
               </a:lnSpc>
@@ -5613,7 +5613,7 @@
         <p:spPr>
           <a:xfrm>
             <a:off x="457200" y="160920"/>
-            <a:ext cx="8227800" cy="790200"/>
+            <a:ext cx="8227440" cy="789840"/>
           </a:xfrm>
           <a:prstGeom prst="rect">
             <a:avLst/>
@@ -5649,7 +5649,7 @@
         <p:spPr>
           <a:xfrm>
             <a:off x="251640" y="1052640"/>
-            <a:ext cx="8711280" cy="3289320"/>
+            <a:ext cx="8710920" cy="3288960"/>
           </a:xfrm>
           <a:prstGeom prst="rect">
             <a:avLst/>
@@ -5670,12 +5670,12 @@
                 </a:solidFill>
                 <a:latin typeface="Calibri"/>
               </a:rPr>
-              <a:t>Penalidades</a:t>
-            </a:r>
-            <a:endParaRPr/>
-          </a:p>
-          <a:p>
-            <a:pPr>
+              <a:t>Strafenpunkte</a:t>
+            </a:r>
+            <a:endParaRPr/>
+          </a:p>
+          <a:p>
+            <a:pPr algn="ctr">
               <a:lnSpc>
                 <a:spcPct val="100000"/>
               </a:lnSpc>
@@ -5692,7 +5692,7 @@
             <a:endParaRPr/>
           </a:p>
           <a:p>
-            <a:pPr>
+            <a:pPr algn="ctr">
               <a:lnSpc>
                 <a:spcPct val="100000"/>
               </a:lnSpc>
@@ -5709,7 +5709,7 @@
             <a:endParaRPr/>
           </a:p>
           <a:p>
-            <a:pPr>
+            <a:pPr algn="ctr">
               <a:lnSpc>
                 <a:spcPct val="100000"/>
               </a:lnSpc>
@@ -5726,7 +5726,7 @@
             <a:endParaRPr/>
           </a:p>
           <a:p>
-            <a:pPr>
+            <a:pPr algn="ctr">
               <a:lnSpc>
                 <a:spcPct val="100000"/>
               </a:lnSpc>
@@ -5804,7 +5804,7 @@
         <p:spPr>
           <a:xfrm>
             <a:off x="457200" y="160920"/>
-            <a:ext cx="8227800" cy="790200"/>
+            <a:ext cx="8227440" cy="789840"/>
           </a:xfrm>
           <a:prstGeom prst="rect">
             <a:avLst/>
@@ -5840,7 +5840,7 @@
         <p:spPr>
           <a:xfrm>
             <a:off x="610200" y="1668960"/>
-            <a:ext cx="7873200" cy="3380040"/>
+            <a:ext cx="7872840" cy="3379680"/>
           </a:xfrm>
           <a:prstGeom prst="rect">
             <a:avLst/>
@@ -5952,7 +5952,7 @@
         <p:spPr>
           <a:xfrm>
             <a:off x="457200" y="160920"/>
-            <a:ext cx="8227800" cy="790200"/>
+            <a:ext cx="8227440" cy="789840"/>
           </a:xfrm>
           <a:prstGeom prst="rect">
             <a:avLst/>
@@ -5994,7 +5994,7 @@
         <p:spPr>
           <a:xfrm>
             <a:off x="467640" y="836640"/>
-            <a:ext cx="2950560" cy="5746680"/>
+            <a:ext cx="2950200" cy="5746320"/>
           </a:xfrm>
           <a:prstGeom prst="rect">
             <a:avLst/>
@@ -6016,7 +6016,7 @@
         <p:spPr>
           <a:xfrm>
             <a:off x="5004000" y="1628640"/>
-            <a:ext cx="2374560" cy="4141800"/>
+            <a:ext cx="2374200" cy="4141440"/>
           </a:xfrm>
           <a:prstGeom prst="rect">
             <a:avLst/>
@@ -6083,7 +6083,7 @@
         <p:spPr>
           <a:xfrm>
             <a:off x="548640" y="548640"/>
-            <a:ext cx="8227800" cy="1222200"/>
+            <a:ext cx="8227440" cy="1221840"/>
           </a:xfrm>
           <a:prstGeom prst="rect">
             <a:avLst/>
@@ -6119,7 +6119,7 @@
         <p:spPr>
           <a:xfrm>
             <a:off x="395640" y="2187360"/>
-            <a:ext cx="8279280" cy="1155960"/>
+            <a:ext cx="8278920" cy="1155600"/>
           </a:xfrm>
           <a:prstGeom prst="rect">
             <a:avLst/>
@@ -6176,12 +6176,10 @@
         <p:spPr>
           <a:xfrm>
             <a:off x="681120" y="3873600"/>
-            <a:ext cx="1462680" cy="972360"/>
-          </a:xfrm>
-          <a:prstGeom prst="rect">
-            <a:avLst>
-              <a:gd fmla="val 16652" name="adj"/>
-            </a:avLst>
+            <a:ext cx="1462320" cy="972000"/>
+          </a:xfrm>
+          <a:prstGeom prst="rect">
+            <a:avLst/>
           </a:prstGeom>
           <a:solidFill>
             <a:srgbClr val="cfe7f5"/>
@@ -6231,12 +6229,10 @@
         <p:spPr>
           <a:xfrm>
             <a:off x="1920240" y="3873600"/>
-            <a:ext cx="1462680" cy="972360"/>
-          </a:xfrm>
-          <a:prstGeom prst="rect">
-            <a:avLst>
-              <a:gd fmla="val 16200" name="adj"/>
-            </a:avLst>
+            <a:ext cx="1462320" cy="972000"/>
+          </a:xfrm>
+          <a:prstGeom prst="rect">
+            <a:avLst/>
           </a:prstGeom>
           <a:solidFill>
             <a:srgbClr val="cfe7f5"/>
@@ -6284,12 +6280,10 @@
         <p:spPr>
           <a:xfrm>
             <a:off x="3144960" y="3873600"/>
-            <a:ext cx="1919880" cy="972360"/>
-          </a:xfrm>
-          <a:prstGeom prst="rect">
-            <a:avLst>
-              <a:gd fmla="val 17575" name="adj"/>
-            </a:avLst>
+            <a:ext cx="1919520" cy="972000"/>
+          </a:xfrm>
+          <a:prstGeom prst="rect">
+            <a:avLst/>
           </a:prstGeom>
           <a:solidFill>
             <a:srgbClr val="cfe7f5"/>
@@ -6344,12 +6338,10 @@
         <p:spPr>
           <a:xfrm>
             <a:off x="4882320" y="3873600"/>
-            <a:ext cx="1462680" cy="972360"/>
-          </a:xfrm>
-          <a:prstGeom prst="rect">
-            <a:avLst>
-              <a:gd fmla="val 16200" name="adj"/>
-            </a:avLst>
+            <a:ext cx="1462320" cy="972000"/>
+          </a:xfrm>
+          <a:prstGeom prst="rect">
+            <a:avLst/>
           </a:prstGeom>
           <a:solidFill>
             <a:srgbClr val="cfe7f5"/>
@@ -6397,12 +6389,10 @@
         <p:spPr>
           <a:xfrm>
             <a:off x="6162480" y="3873600"/>
-            <a:ext cx="1919880" cy="972360"/>
-          </a:xfrm>
-          <a:prstGeom prst="rect">
-            <a:avLst>
-              <a:gd fmla="val 17575" name="adj"/>
-            </a:avLst>
+            <a:ext cx="1919520" cy="972000"/>
+          </a:xfrm>
+          <a:prstGeom prst="rect">
+            <a:avLst/>
           </a:prstGeom>
           <a:solidFill>
             <a:srgbClr val="cfe7f5"/>
@@ -6495,7 +6485,7 @@
         <p:spPr>
           <a:xfrm>
             <a:off x="-381960" y="12960"/>
-            <a:ext cx="9911880" cy="7171560"/>
+            <a:ext cx="9911520" cy="7171200"/>
           </a:xfrm>
           <a:prstGeom prst="rect">
             <a:avLst/>
@@ -6511,7 +6501,7 @@
         <p:spPr>
           <a:xfrm>
             <a:off x="-20880" y="116640"/>
-            <a:ext cx="9142200" cy="1091160"/>
+            <a:ext cx="9141840" cy="1090800"/>
           </a:xfrm>
           <a:prstGeom prst="rect">
             <a:avLst/>
@@ -6604,7 +6594,7 @@
         <p:spPr>
           <a:xfrm>
             <a:off x="-249120" y="-2160"/>
-            <a:ext cx="9716040" cy="6856200"/>
+            <a:ext cx="9715680" cy="6855840"/>
           </a:xfrm>
           <a:prstGeom prst="rect">
             <a:avLst/>
@@ -6620,7 +6610,7 @@
         <p:spPr>
           <a:xfrm>
             <a:off x="995760" y="3723120"/>
-            <a:ext cx="7598520" cy="2676600"/>
+            <a:ext cx="7598160" cy="2676240"/>
           </a:xfrm>
           <a:prstGeom prst="rect">
             <a:avLst/>
@@ -6707,7 +6697,7 @@
         <p:spPr>
           <a:xfrm>
             <a:off x="457200" y="1589400"/>
-            <a:ext cx="8227800" cy="790200"/>
+            <a:ext cx="8227440" cy="789840"/>
           </a:xfrm>
           <a:prstGeom prst="rect">
             <a:avLst/>
@@ -6743,7 +6733,7 @@
         <p:spPr>
           <a:xfrm>
             <a:off x="611640" y="2507760"/>
-            <a:ext cx="8062920" cy="1916640"/>
+            <a:ext cx="8062560" cy="1916280"/>
           </a:xfrm>
           <a:prstGeom prst="rect">
             <a:avLst/>
@@ -6830,7 +6820,7 @@
         <p:spPr>
           <a:xfrm>
             <a:off x="457200" y="1589400"/>
-            <a:ext cx="8227800" cy="790200"/>
+            <a:ext cx="8227440" cy="789840"/>
           </a:xfrm>
           <a:prstGeom prst="rect">
             <a:avLst/>
@@ -6866,7 +6856,7 @@
         <p:spPr>
           <a:xfrm>
             <a:off x="457200" y="2507760"/>
-            <a:ext cx="8319600" cy="1916640"/>
+            <a:ext cx="8319240" cy="1916280"/>
           </a:xfrm>
           <a:prstGeom prst="rect">
             <a:avLst/>
@@ -6953,7 +6943,7 @@
         <p:spPr>
           <a:xfrm>
             <a:off x="3668760" y="1031040"/>
-            <a:ext cx="4798800" cy="3427200"/>
+            <a:ext cx="4798440" cy="3426840"/>
           </a:xfrm>
           <a:prstGeom prst="rect">
             <a:avLst/>
@@ -7080,7 +7070,7 @@
         <p:spPr>
           <a:xfrm>
             <a:off x="4357440" y="3063960"/>
-            <a:ext cx="723240" cy="723240"/>
+            <a:ext cx="722880" cy="722880"/>
           </a:xfrm>
           <a:prstGeom prst="rect">
             <a:avLst/>
@@ -7102,7 +7092,7 @@
         <p:spPr>
           <a:xfrm>
             <a:off x="4504680" y="2631240"/>
-            <a:ext cx="379080" cy="379080"/>
+            <a:ext cx="378720" cy="378720"/>
           </a:xfrm>
           <a:prstGeom prst="rect">
             <a:avLst/>
@@ -7124,7 +7114,7 @@
         <p:spPr>
           <a:xfrm>
             <a:off x="766800" y="1182600"/>
-            <a:ext cx="3039480" cy="3039480"/>
+            <a:ext cx="3039120" cy="3039120"/>
           </a:xfrm>
           <a:prstGeom prst="rect">
             <a:avLst/>
@@ -7146,7 +7136,7 @@
         <p:spPr>
           <a:xfrm>
             <a:off x="683640" y="4969800"/>
-            <a:ext cx="7878600" cy="1553760"/>
+            <a:ext cx="7878240" cy="1553400"/>
           </a:xfrm>
           <a:prstGeom prst="rect">
             <a:avLst/>
@@ -7184,7 +7174,7 @@
         <p:spPr>
           <a:xfrm>
             <a:off x="457200" y="162000"/>
-            <a:ext cx="8227800" cy="790200"/>
+            <a:ext cx="8227440" cy="789840"/>
           </a:xfrm>
           <a:prstGeom prst="rect">
             <a:avLst/>
@@ -7220,7 +7210,7 @@
         <p:spPr>
           <a:xfrm>
             <a:off x="251640" y="908640"/>
-            <a:ext cx="8639280" cy="1551240"/>
+            <a:ext cx="8638920" cy="1550880"/>
           </a:xfrm>
           <a:prstGeom prst="rect">
             <a:avLst/>
@@ -7256,7 +7246,7 @@
         <p:spPr>
           <a:xfrm>
             <a:off x="251640" y="5580360"/>
-            <a:ext cx="8639280" cy="1063080"/>
+            <a:ext cx="8638920" cy="1062720"/>
           </a:xfrm>
           <a:prstGeom prst="rect">
             <a:avLst/>
@@ -7298,7 +7288,7 @@
         <p:spPr>
           <a:xfrm>
             <a:off x="3060000" y="2771640"/>
-            <a:ext cx="3022560" cy="2743560"/>
+            <a:ext cx="3022200" cy="2743200"/>
           </a:xfrm>
           <a:prstGeom prst="rect">
             <a:avLst/>
@@ -7365,7 +7355,7 @@
         <p:spPr>
           <a:xfrm>
             <a:off x="503280" y="332640"/>
-            <a:ext cx="8227800" cy="718200"/>
+            <a:ext cx="8227440" cy="717840"/>
           </a:xfrm>
           <a:prstGeom prst="rect">
             <a:avLst/>
@@ -7401,7 +7391,7 @@
         <p:spPr>
           <a:xfrm>
             <a:off x="627480" y="1556640"/>
-            <a:ext cx="7979040" cy="4536720"/>
+            <a:ext cx="7978680" cy="4536360"/>
           </a:xfrm>
           <a:prstGeom prst="rect">
             <a:avLst/>
@@ -7528,7 +7518,7 @@
         <p:spPr>
           <a:xfrm>
             <a:off x="457200" y="162000"/>
-            <a:ext cx="8227800" cy="790200"/>
+            <a:ext cx="8227440" cy="789840"/>
           </a:xfrm>
           <a:prstGeom prst="rect">
             <a:avLst/>
@@ -7564,7 +7554,7 @@
         <p:spPr>
           <a:xfrm>
             <a:off x="365760" y="1268640"/>
-            <a:ext cx="8364960" cy="5556240"/>
+            <a:ext cx="8364600" cy="5555880"/>
           </a:xfrm>
           <a:prstGeom prst="rect">
             <a:avLst/>
@@ -7906,7 +7896,7 @@
         <p:spPr>
           <a:xfrm>
             <a:off x="457200" y="162000"/>
-            <a:ext cx="8227800" cy="790200"/>
+            <a:ext cx="8227440" cy="789840"/>
           </a:xfrm>
           <a:prstGeom prst="rect">
             <a:avLst/>
@@ -7942,7 +7932,7 @@
         <p:spPr>
           <a:xfrm>
             <a:off x="3348000" y="1208880"/>
-            <a:ext cx="5398920" cy="5450040"/>
+            <a:ext cx="5398560" cy="5449680"/>
           </a:xfrm>
           <a:prstGeom prst="rect">
             <a:avLst/>
@@ -8009,7 +7999,7 @@
         <p:spPr>
           <a:xfrm>
             <a:off x="591840" y="1556640"/>
-            <a:ext cx="2538360" cy="3389040"/>
+            <a:ext cx="2538000" cy="3388680"/>
           </a:xfrm>
           <a:prstGeom prst="rect">
             <a:avLst/>
@@ -8076,7 +8066,7 @@
         <p:spPr>
           <a:xfrm>
             <a:off x="457200" y="160920"/>
-            <a:ext cx="8227800" cy="790200"/>
+            <a:ext cx="8227440" cy="789840"/>
           </a:xfrm>
           <a:prstGeom prst="rect">
             <a:avLst/>
@@ -8112,7 +8102,7 @@
         <p:spPr>
           <a:xfrm>
             <a:off x="294120" y="980640"/>
-            <a:ext cx="8567280" cy="5571360"/>
+            <a:ext cx="8566920" cy="5571000"/>
           </a:xfrm>
           <a:prstGeom prst="rect">
             <a:avLst/>
@@ -8274,7 +8264,7 @@
         <p:spPr>
           <a:xfrm>
             <a:off x="457200" y="160920"/>
-            <a:ext cx="8227800" cy="790200"/>
+            <a:ext cx="8227440" cy="789840"/>
           </a:xfrm>
           <a:prstGeom prst="rect">
             <a:avLst/>
@@ -8310,7 +8300,7 @@
         <p:spPr>
           <a:xfrm>
             <a:off x="294120" y="1155600"/>
-            <a:ext cx="8567280" cy="2373120"/>
+            <a:ext cx="8566920" cy="2372760"/>
           </a:xfrm>
           <a:prstGeom prst="rect">
             <a:avLst/>
@@ -8426,7 +8416,7 @@
         <p:spPr>
           <a:xfrm>
             <a:off x="457200" y="160920"/>
-            <a:ext cx="8227800" cy="790200"/>
+            <a:ext cx="8227440" cy="789840"/>
           </a:xfrm>
           <a:prstGeom prst="rect">
             <a:avLst/>
@@ -8468,7 +8458,7 @@
         <p:spPr>
           <a:xfrm>
             <a:off x="1274040" y="964800"/>
-            <a:ext cx="6660720" cy="4385880"/>
+            <a:ext cx="6660360" cy="4385520"/>
           </a:xfrm>
           <a:prstGeom prst="rect">
             <a:avLst/>
@@ -8484,7 +8474,7 @@
         <p:spPr>
           <a:xfrm>
             <a:off x="1488600" y="1680120"/>
-            <a:ext cx="1536120" cy="576360"/>
+            <a:ext cx="1535760" cy="576000"/>
           </a:xfrm>
           <a:prstGeom prst="rect">
             <a:avLst/>
@@ -8514,7 +8504,7 @@
         <p:spPr>
           <a:xfrm>
             <a:off x="6394680" y="1680120"/>
-            <a:ext cx="1536120" cy="576360"/>
+            <a:ext cx="1535760" cy="576000"/>
           </a:xfrm>
           <a:prstGeom prst="rect">
             <a:avLst/>
@@ -8544,7 +8534,7 @@
         <p:spPr>
           <a:xfrm>
             <a:off x="320760" y="5373360"/>
-            <a:ext cx="8567280" cy="637560"/>
+            <a:ext cx="8566920" cy="637200"/>
           </a:xfrm>
           <a:prstGeom prst="rect">
             <a:avLst/>
@@ -8631,7 +8621,7 @@
         <p:spPr>
           <a:xfrm>
             <a:off x="457200" y="160920"/>
-            <a:ext cx="8227800" cy="790200"/>
+            <a:ext cx="8227440" cy="789840"/>
           </a:xfrm>
           <a:prstGeom prst="rect">
             <a:avLst/>
@@ -8667,7 +8657,7 @@
         <p:spPr>
           <a:xfrm>
             <a:off x="4068000" y="2322720"/>
-            <a:ext cx="4822560" cy="1734840"/>
+            <a:ext cx="4822200" cy="1734480"/>
           </a:xfrm>
           <a:prstGeom prst="rect">
             <a:avLst/>
@@ -8709,7 +8699,7 @@
         <p:spPr>
           <a:xfrm>
             <a:off x="322920" y="1124640"/>
-            <a:ext cx="3707640" cy="4894920"/>
+            <a:ext cx="3707280" cy="4894560"/>
           </a:xfrm>
           <a:prstGeom prst="rect">
             <a:avLst/>
@@ -8725,7 +8715,7 @@
         <p:spPr>
           <a:xfrm>
             <a:off x="4194360" y="5067360"/>
-            <a:ext cx="4570200" cy="515520"/>
+            <a:ext cx="4569840" cy="515160"/>
           </a:xfrm>
           <a:prstGeom prst="rect">
             <a:avLst/>
@@ -8830,7 +8820,7 @@
         <p:spPr>
           <a:xfrm>
             <a:off x="457200" y="160920"/>
-            <a:ext cx="8227800" cy="790200"/>
+            <a:ext cx="8227440" cy="789840"/>
           </a:xfrm>
           <a:prstGeom prst="rect">
             <a:avLst/>
@@ -8866,7 +8856,7 @@
         <p:spPr>
           <a:xfrm>
             <a:off x="3953520" y="1052640"/>
-            <a:ext cx="4822560" cy="3929400"/>
+            <a:ext cx="4822200" cy="3929040"/>
           </a:xfrm>
           <a:prstGeom prst="rect">
             <a:avLst/>
@@ -8933,7 +8923,7 @@
         <p:spPr>
           <a:xfrm>
             <a:off x="539280" y="980640"/>
-            <a:ext cx="3382560" cy="5347440"/>
+            <a:ext cx="3382200" cy="5347080"/>
           </a:xfrm>
           <a:prstGeom prst="rect">
             <a:avLst/>
@@ -8949,7 +8939,7 @@
         <p:spPr>
           <a:xfrm>
             <a:off x="4079520" y="5244120"/>
-            <a:ext cx="4570200" cy="941400"/>
+            <a:ext cx="4569840" cy="941040"/>
           </a:xfrm>
           <a:prstGeom prst="rect">
             <a:avLst/>
@@ -9054,7 +9044,7 @@
         <p:spPr>
           <a:xfrm>
             <a:off x="457200" y="160920"/>
-            <a:ext cx="8227800" cy="790200"/>
+            <a:ext cx="8227440" cy="789840"/>
           </a:xfrm>
           <a:prstGeom prst="rect">
             <a:avLst/>
@@ -9090,7 +9080,7 @@
         <p:spPr>
           <a:xfrm>
             <a:off x="3852000" y="1109880"/>
-            <a:ext cx="5038920" cy="4478040"/>
+            <a:ext cx="5038560" cy="4477680"/>
           </a:xfrm>
           <a:prstGeom prst="rect">
             <a:avLst/>
@@ -9157,7 +9147,7 @@
         <p:spPr>
           <a:xfrm>
             <a:off x="251640" y="1155240"/>
-            <a:ext cx="3570120" cy="5065560"/>
+            <a:ext cx="3569760" cy="5065200"/>
           </a:xfrm>
           <a:prstGeom prst="rect">
             <a:avLst/>
@@ -9224,7 +9214,7 @@
         <p:spPr>
           <a:xfrm>
             <a:off x="457200" y="160920"/>
-            <a:ext cx="8227800" cy="790200"/>
+            <a:ext cx="8227440" cy="789840"/>
           </a:xfrm>
           <a:prstGeom prst="rect">
             <a:avLst/>
@@ -9260,7 +9250,7 @@
         <p:spPr>
           <a:xfrm>
             <a:off x="3204000" y="993600"/>
-            <a:ext cx="5758920" cy="5513040"/>
+            <a:ext cx="5758560" cy="5512680"/>
           </a:xfrm>
           <a:prstGeom prst="rect">
             <a:avLst/>
@@ -9411,7 +9401,7 @@
         <p:spPr>
           <a:xfrm>
             <a:off x="323640" y="986040"/>
-            <a:ext cx="2692080" cy="5578200"/>
+            <a:ext cx="2691720" cy="5577840"/>
           </a:xfrm>
           <a:prstGeom prst="rect">
             <a:avLst/>

--- a/ppt/Folien v2.pptx
+++ b/ppt/Folien v2.pptx
@@ -199,7 +199,7 @@
           <a:bodyPr anchor="b" bIns="0" lIns="0" rIns="0" tIns="0" wrap="none"/>
           <a:p>
             <a:pPr algn="r"/>
-            <a:fld id="{F181D1B1-4111-4161-91B1-2100E12181E1}" type="slidenum">
+            <a:fld id="{815171F1-01A1-4161-8151-E1918181F111}" type="slidenum">
               <a:rPr lang="en-US"/>
               <a:t>&lt;number&gt;</a:t>
             </a:fld>
@@ -243,7 +243,7 @@
         <p:spPr>
           <a:xfrm>
             <a:off x="0" y="0"/>
-            <a:ext cx="11795040" cy="11795040"/>
+            <a:ext cx="11794680" cy="11794680"/>
           </a:xfrm>
           <a:prstGeom prst="rect">
             <a:avLst/>
@@ -265,7 +265,7 @@
         <p:spPr>
           <a:xfrm>
             <a:off x="0" y="0"/>
-            <a:ext cx="11795040" cy="11795040"/>
+            <a:ext cx="11794680" cy="11794680"/>
           </a:xfrm>
           <a:prstGeom prst="rect">
             <a:avLst/>
@@ -279,7 +279,7 @@
                 <a:spcPct val="100000"/>
               </a:lnSpc>
             </a:pPr>
-            <a:fld id="{91B1C171-0111-4171-A1B1-41911181D171}" type="slidenum">
+            <a:fld id="{B1B17141-1161-41E1-B161-81213161D1B1}" type="slidenum">
               <a:rPr lang="en-US">
                 <a:solidFill>
                   <a:srgbClr val="000000"/>
@@ -328,7 +328,7 @@
         <p:spPr>
           <a:xfrm>
             <a:off x="0" y="0"/>
-            <a:ext cx="11795040" cy="11795040"/>
+            <a:ext cx="11794680" cy="11794680"/>
           </a:xfrm>
           <a:prstGeom prst="rect">
             <a:avLst/>
@@ -350,7 +350,7 @@
         <p:spPr>
           <a:xfrm>
             <a:off x="0" y="0"/>
-            <a:ext cx="11795040" cy="11795040"/>
+            <a:ext cx="11794680" cy="11794680"/>
           </a:xfrm>
           <a:prstGeom prst="rect">
             <a:avLst/>
@@ -364,7 +364,7 @@
                 <a:spcPct val="100000"/>
               </a:lnSpc>
             </a:pPr>
-            <a:fld id="{41A1A1C1-E1F1-4101-A141-31018161B101}" type="slidenum">
+            <a:fld id="{71419121-A101-4151-A1B1-31E1E121D171}" type="slidenum">
               <a:rPr lang="en-US">
                 <a:solidFill>
                   <a:srgbClr val="000000"/>
@@ -413,7 +413,7 @@
         <p:spPr>
           <a:xfrm>
             <a:off x="0" y="0"/>
-            <a:ext cx="11795040" cy="11795040"/>
+            <a:ext cx="11794680" cy="11794680"/>
           </a:xfrm>
           <a:prstGeom prst="rect">
             <a:avLst/>
@@ -435,7 +435,7 @@
         <p:spPr>
           <a:xfrm>
             <a:off x="0" y="0"/>
-            <a:ext cx="11795040" cy="11795040"/>
+            <a:ext cx="11794680" cy="11794680"/>
           </a:xfrm>
           <a:prstGeom prst="rect">
             <a:avLst/>
@@ -449,7 +449,7 @@
                 <a:spcPct val="100000"/>
               </a:lnSpc>
             </a:pPr>
-            <a:fld id="{81D16101-71D1-4131-8171-D1C19111C141}" type="slidenum">
+            <a:fld id="{21C1B171-7121-41D1-A1D1-E10181F14161}" type="slidenum">
               <a:rPr lang="en-US">
                 <a:solidFill>
                   <a:srgbClr val="000000"/>
@@ -498,7 +498,7 @@
         <p:spPr>
           <a:xfrm>
             <a:off x="0" y="0"/>
-            <a:ext cx="11795040" cy="11795040"/>
+            <a:ext cx="11794680" cy="11794680"/>
           </a:xfrm>
           <a:prstGeom prst="rect">
             <a:avLst/>
@@ -520,7 +520,7 @@
         <p:spPr>
           <a:xfrm>
             <a:off x="0" y="0"/>
-            <a:ext cx="11795040" cy="11795040"/>
+            <a:ext cx="11794680" cy="11794680"/>
           </a:xfrm>
           <a:prstGeom prst="rect">
             <a:avLst/>
@@ -534,7 +534,7 @@
                 <a:spcPct val="100000"/>
               </a:lnSpc>
             </a:pPr>
-            <a:fld id="{B171B151-9181-4181-8171-A121F151E1F1}" type="slidenum">
+            <a:fld id="{5161D1F1-6141-41F1-8131-214191F11151}" type="slidenum">
               <a:rPr lang="en-US">
                 <a:solidFill>
                   <a:srgbClr val="000000"/>
@@ -583,7 +583,7 @@
         <p:spPr>
           <a:xfrm>
             <a:off x="0" y="0"/>
-            <a:ext cx="11795040" cy="11795040"/>
+            <a:ext cx="11794680" cy="11794680"/>
           </a:xfrm>
           <a:prstGeom prst="rect">
             <a:avLst/>
@@ -605,7 +605,7 @@
         <p:spPr>
           <a:xfrm>
             <a:off x="0" y="0"/>
-            <a:ext cx="11795040" cy="11795040"/>
+            <a:ext cx="11794680" cy="11794680"/>
           </a:xfrm>
           <a:prstGeom prst="rect">
             <a:avLst/>
@@ -619,7 +619,7 @@
                 <a:spcPct val="100000"/>
               </a:lnSpc>
             </a:pPr>
-            <a:fld id="{6121D181-2111-4161-A191-D11181B1A121}" type="slidenum">
+            <a:fld id="{C1A121E1-B111-4171-B1D1-51E1C191C121}" type="slidenum">
               <a:rPr lang="en-US">
                 <a:solidFill>
                   <a:srgbClr val="000000"/>
@@ -668,7 +668,7 @@
         <p:spPr>
           <a:xfrm>
             <a:off x="0" y="0"/>
-            <a:ext cx="11795040" cy="11795040"/>
+            <a:ext cx="11794680" cy="11794680"/>
           </a:xfrm>
           <a:prstGeom prst="rect">
             <a:avLst/>
@@ -694,7 +694,7 @@
         <p:spPr>
           <a:xfrm>
             <a:off x="0" y="0"/>
-            <a:ext cx="11795040" cy="11795040"/>
+            <a:ext cx="11794680" cy="11794680"/>
           </a:xfrm>
           <a:prstGeom prst="rect">
             <a:avLst/>
@@ -708,7 +708,7 @@
                 <a:spcPct val="100000"/>
               </a:lnSpc>
             </a:pPr>
-            <a:fld id="{81B131C1-E1D1-4161-9141-11712181D121}" type="slidenum">
+            <a:fld id="{21813101-F1F1-4101-A1E1-D1D1F101B1E1}" type="slidenum">
               <a:rPr lang="en-US">
                 <a:solidFill>
                   <a:srgbClr val="000000"/>
@@ -757,7 +757,7 @@
         <p:spPr>
           <a:xfrm>
             <a:off x="0" y="0"/>
-            <a:ext cx="11795040" cy="11795040"/>
+            <a:ext cx="11794680" cy="11794680"/>
           </a:xfrm>
           <a:prstGeom prst="rect">
             <a:avLst/>
@@ -779,7 +779,7 @@
         <p:spPr>
           <a:xfrm>
             <a:off x="0" y="0"/>
-            <a:ext cx="11795040" cy="11795040"/>
+            <a:ext cx="11794680" cy="11794680"/>
           </a:xfrm>
           <a:prstGeom prst="rect">
             <a:avLst/>
@@ -793,7 +793,7 @@
                 <a:spcPct val="100000"/>
               </a:lnSpc>
             </a:pPr>
-            <a:fld id="{0141F1E1-31B1-4101-B191-1181D1F1A161}" type="slidenum">
+            <a:fld id="{712121E1-C141-41B1-A111-B121112161A1}" type="slidenum">
               <a:rPr lang="en-US">
                 <a:solidFill>
                   <a:srgbClr val="000000"/>
@@ -842,7 +842,7 @@
         <p:spPr>
           <a:xfrm>
             <a:off x="0" y="0"/>
-            <a:ext cx="11795040" cy="11795040"/>
+            <a:ext cx="11794680" cy="11794680"/>
           </a:xfrm>
           <a:prstGeom prst="rect">
             <a:avLst/>
@@ -921,7 +921,7 @@
         <p:spPr>
           <a:xfrm>
             <a:off x="0" y="0"/>
-            <a:ext cx="11795040" cy="11795040"/>
+            <a:ext cx="11794680" cy="11794680"/>
           </a:xfrm>
           <a:prstGeom prst="rect">
             <a:avLst/>
@@ -935,7 +935,7 @@
                 <a:spcPct val="100000"/>
               </a:lnSpc>
             </a:pPr>
-            <a:fld id="{61E13111-11A1-4141-9141-311121F1A111}" type="slidenum">
+            <a:fld id="{511151E1-E1A1-4181-9181-41A11121B141}" type="slidenum">
               <a:rPr lang="en-US">
                 <a:solidFill>
                   <a:srgbClr val="000000"/>
@@ -984,7 +984,7 @@
         <p:spPr>
           <a:xfrm>
             <a:off x="0" y="0"/>
-            <a:ext cx="11795040" cy="11795040"/>
+            <a:ext cx="11794680" cy="11794680"/>
           </a:xfrm>
           <a:prstGeom prst="rect">
             <a:avLst/>
@@ -1006,7 +1006,7 @@
         <p:spPr>
           <a:xfrm>
             <a:off x="0" y="0"/>
-            <a:ext cx="11795040" cy="11795040"/>
+            <a:ext cx="11794680" cy="11794680"/>
           </a:xfrm>
           <a:prstGeom prst="rect">
             <a:avLst/>
@@ -1020,7 +1020,7 @@
                 <a:spcPct val="100000"/>
               </a:lnSpc>
             </a:pPr>
-            <a:fld id="{21F1F161-3111-4151-9151-71C1D151A1C1}" type="slidenum">
+            <a:fld id="{0101C191-B161-4131-A171-D1912171E141}" type="slidenum">
               <a:rPr lang="en-US">
                 <a:solidFill>
                   <a:srgbClr val="000000"/>
@@ -1069,7 +1069,7 @@
         <p:spPr>
           <a:xfrm>
             <a:off x="0" y="0"/>
-            <a:ext cx="11795040" cy="11795040"/>
+            <a:ext cx="11794680" cy="11794680"/>
           </a:xfrm>
           <a:prstGeom prst="rect">
             <a:avLst/>
@@ -1132,7 +1132,7 @@
         <p:spPr>
           <a:xfrm>
             <a:off x="0" y="0"/>
-            <a:ext cx="11795040" cy="11795040"/>
+            <a:ext cx="11794680" cy="11794680"/>
           </a:xfrm>
           <a:prstGeom prst="rect">
             <a:avLst/>
@@ -1146,7 +1146,7 @@
                 <a:spcPct val="100000"/>
               </a:lnSpc>
             </a:pPr>
-            <a:fld id="{11618121-D191-41C1-91D1-8131B111D1F1}" type="slidenum">
+            <a:fld id="{61F14181-8171-4121-A1A1-51F1A1813161}" type="slidenum">
               <a:rPr lang="en-US">
                 <a:solidFill>
                   <a:srgbClr val="000000"/>
@@ -1195,7 +1195,7 @@
         <p:spPr>
           <a:xfrm>
             <a:off x="0" y="0"/>
-            <a:ext cx="11795040" cy="11795040"/>
+            <a:ext cx="11794680" cy="11794680"/>
           </a:xfrm>
           <a:prstGeom prst="rect">
             <a:avLst/>
@@ -1258,7 +1258,7 @@
         <p:spPr>
           <a:xfrm>
             <a:off x="0" y="0"/>
-            <a:ext cx="11795040" cy="11795040"/>
+            <a:ext cx="11794680" cy="11794680"/>
           </a:xfrm>
           <a:prstGeom prst="rect">
             <a:avLst/>
@@ -1272,7 +1272,7 @@
                 <a:spcPct val="100000"/>
               </a:lnSpc>
             </a:pPr>
-            <a:fld id="{91D171F1-C191-41A1-B141-81E171E10141}" type="slidenum">
+            <a:fld id="{E11171E1-51D1-4151-8171-41C1E141B1C1}" type="slidenum">
               <a:rPr lang="en-US">
                 <a:solidFill>
                   <a:srgbClr val="000000"/>
@@ -1321,7 +1321,7 @@
         <p:spPr>
           <a:xfrm>
             <a:off x="0" y="0"/>
-            <a:ext cx="11795040" cy="11795040"/>
+            <a:ext cx="11794680" cy="11794680"/>
           </a:xfrm>
           <a:prstGeom prst="rect">
             <a:avLst/>
@@ -1343,7 +1343,7 @@
         <p:spPr>
           <a:xfrm>
             <a:off x="0" y="0"/>
-            <a:ext cx="11795040" cy="11795040"/>
+            <a:ext cx="11794680" cy="11794680"/>
           </a:xfrm>
           <a:prstGeom prst="rect">
             <a:avLst/>
@@ -1357,7 +1357,7 @@
                 <a:spcPct val="100000"/>
               </a:lnSpc>
             </a:pPr>
-            <a:fld id="{F1915171-E161-41C1-81B1-81A131115111}" type="slidenum">
+            <a:fld id="{E1F17171-F141-41F1-A151-711191111161}" type="slidenum">
               <a:rPr lang="en-US">
                 <a:solidFill>
                   <a:srgbClr val="000000"/>
@@ -1406,7 +1406,7 @@
         <p:spPr>
           <a:xfrm>
             <a:off x="0" y="0"/>
-            <a:ext cx="11795040" cy="11795040"/>
+            <a:ext cx="11794680" cy="11794680"/>
           </a:xfrm>
           <a:prstGeom prst="rect">
             <a:avLst/>
@@ -1428,7 +1428,7 @@
         <p:spPr>
           <a:xfrm>
             <a:off x="0" y="0"/>
-            <a:ext cx="11795040" cy="11795040"/>
+            <a:ext cx="11794680" cy="11794680"/>
           </a:xfrm>
           <a:prstGeom prst="rect">
             <a:avLst/>
@@ -1442,7 +1442,7 @@
                 <a:spcPct val="100000"/>
               </a:lnSpc>
             </a:pPr>
-            <a:fld id="{41413191-6101-4131-8141-E1A141815151}" type="slidenum">
+            <a:fld id="{61914151-1151-4141-8141-E13111914111}" type="slidenum">
               <a:rPr lang="en-US">
                 <a:solidFill>
                   <a:srgbClr val="000000"/>
@@ -1491,7 +1491,7 @@
         <p:spPr>
           <a:xfrm>
             <a:off x="0" y="0"/>
-            <a:ext cx="11795040" cy="11795040"/>
+            <a:ext cx="11794680" cy="11794680"/>
           </a:xfrm>
           <a:prstGeom prst="rect">
             <a:avLst/>
@@ -1513,7 +1513,7 @@
         <p:spPr>
           <a:xfrm>
             <a:off x="0" y="0"/>
-            <a:ext cx="11795040" cy="11795040"/>
+            <a:ext cx="11794680" cy="11794680"/>
           </a:xfrm>
           <a:prstGeom prst="rect">
             <a:avLst/>
@@ -1527,7 +1527,7 @@
                 <a:spcPct val="100000"/>
               </a:lnSpc>
             </a:pPr>
-            <a:fld id="{8121C151-51E1-4121-9121-11B1B1E14121}" type="slidenum">
+            <a:fld id="{C141F1F1-51A1-4171-A1C1-41A1F1D1D1D1}" type="slidenum">
               <a:rPr lang="en-US">
                 <a:solidFill>
                   <a:srgbClr val="000000"/>
@@ -1576,7 +1576,7 @@
         <p:spPr>
           <a:xfrm>
             <a:off x="0" y="0"/>
-            <a:ext cx="11795040" cy="11795040"/>
+            <a:ext cx="11794680" cy="11794680"/>
           </a:xfrm>
           <a:prstGeom prst="rect">
             <a:avLst/>
@@ -1598,7 +1598,7 @@
         <p:spPr>
           <a:xfrm>
             <a:off x="0" y="0"/>
-            <a:ext cx="11795040" cy="11795040"/>
+            <a:ext cx="11794680" cy="11794680"/>
           </a:xfrm>
           <a:prstGeom prst="rect">
             <a:avLst/>
@@ -1612,7 +1612,7 @@
                 <a:spcPct val="100000"/>
               </a:lnSpc>
             </a:pPr>
-            <a:fld id="{2131E131-3131-41A1-B191-4131C1B1B181}" type="slidenum">
+            <a:fld id="{B15191B1-B1B1-41B1-8161-F1617181C161}" type="slidenum">
               <a:rPr lang="en-US">
                 <a:solidFill>
                   <a:srgbClr val="000000"/>
@@ -1661,7 +1661,7 @@
         <p:spPr>
           <a:xfrm>
             <a:off x="0" y="0"/>
-            <a:ext cx="11795040" cy="11795040"/>
+            <a:ext cx="11794680" cy="11794680"/>
           </a:xfrm>
           <a:prstGeom prst="rect">
             <a:avLst/>
@@ -1700,7 +1700,7 @@
         <p:spPr>
           <a:xfrm>
             <a:off x="0" y="0"/>
-            <a:ext cx="11795040" cy="11795040"/>
+            <a:ext cx="11794680" cy="11794680"/>
           </a:xfrm>
           <a:prstGeom prst="rect">
             <a:avLst/>
@@ -1714,7 +1714,7 @@
                 <a:spcPct val="100000"/>
               </a:lnSpc>
             </a:pPr>
-            <a:fld id="{B101E100-D1D1-4101-81F1-D13191111151}" type="slidenum">
+            <a:fld id="{A1712151-71D1-4121-9101-21110121F171}" type="slidenum">
               <a:rPr lang="en-US">
                 <a:solidFill>
                   <a:srgbClr val="000000"/>
@@ -1763,7 +1763,7 @@
         <p:spPr>
           <a:xfrm>
             <a:off x="0" y="0"/>
-            <a:ext cx="11795040" cy="11795040"/>
+            <a:ext cx="11794680" cy="11794680"/>
           </a:xfrm>
           <a:prstGeom prst="rect">
             <a:avLst/>
@@ -1802,7 +1802,7 @@
         <p:spPr>
           <a:xfrm>
             <a:off x="0" y="0"/>
-            <a:ext cx="11795040" cy="11795040"/>
+            <a:ext cx="11794680" cy="11794680"/>
           </a:xfrm>
           <a:prstGeom prst="rect">
             <a:avLst/>
@@ -1816,7 +1816,7 @@
                 <a:spcPct val="100000"/>
               </a:lnSpc>
             </a:pPr>
-            <a:fld id="{71715101-D1B1-4111-B141-71D1B1B15121}" type="slidenum">
+            <a:fld id="{C1F11151-51A1-41A1-A161-51A101E13191}" type="slidenum">
               <a:rPr lang="en-US">
                 <a:solidFill>
                   <a:srgbClr val="000000"/>
@@ -1865,7 +1865,7 @@
         <p:spPr>
           <a:xfrm>
             <a:off x="0" y="0"/>
-            <a:ext cx="11795040" cy="11795040"/>
+            <a:ext cx="11794680" cy="11794680"/>
           </a:xfrm>
           <a:prstGeom prst="rect">
             <a:avLst/>
@@ -1904,7 +1904,7 @@
         <p:spPr>
           <a:xfrm>
             <a:off x="0" y="0"/>
-            <a:ext cx="11795040" cy="11795040"/>
+            <a:ext cx="11794680" cy="11794680"/>
           </a:xfrm>
           <a:prstGeom prst="rect">
             <a:avLst/>
@@ -1918,7 +1918,7 @@
                 <a:spcPct val="100000"/>
               </a:lnSpc>
             </a:pPr>
-            <a:fld id="{81C1C1E1-D141-4181-81E1-011111E1B171}" type="slidenum">
+            <a:fld id="{41C1A191-E1A1-41E1-B1D1-C1D121813191}" type="slidenum">
               <a:rPr lang="en-US">
                 <a:solidFill>
                   <a:srgbClr val="000000"/>
@@ -1967,7 +1967,7 @@
         <p:spPr>
           <a:xfrm>
             <a:off x="0" y="0"/>
-            <a:ext cx="11795040" cy="11795040"/>
+            <a:ext cx="11794680" cy="11794680"/>
           </a:xfrm>
           <a:prstGeom prst="rect">
             <a:avLst/>
@@ -1989,7 +1989,7 @@
         <p:spPr>
           <a:xfrm>
             <a:off x="0" y="0"/>
-            <a:ext cx="11795040" cy="11795040"/>
+            <a:ext cx="11794680" cy="11794680"/>
           </a:xfrm>
           <a:prstGeom prst="rect">
             <a:avLst/>
@@ -2003,7 +2003,7 @@
                 <a:spcPct val="100000"/>
               </a:lnSpc>
             </a:pPr>
-            <a:fld id="{8181E181-D1B1-4181-A1F1-B1D1515181F1}" type="slidenum">
+            <a:fld id="{11D18191-9191-4131-9171-4181A18161B1}" type="slidenum">
               <a:rPr lang="en-US">
                 <a:solidFill>
                   <a:srgbClr val="000000"/>
@@ -2052,7 +2052,7 @@
         <p:spPr>
           <a:xfrm>
             <a:off x="0" y="0"/>
-            <a:ext cx="11795040" cy="11795040"/>
+            <a:ext cx="11794680" cy="11794680"/>
           </a:xfrm>
           <a:prstGeom prst="rect">
             <a:avLst/>
@@ -2125,7 +2125,7 @@
         <p:spPr>
           <a:xfrm>
             <a:off x="0" y="0"/>
-            <a:ext cx="11795040" cy="11795040"/>
+            <a:ext cx="11794680" cy="11794680"/>
           </a:xfrm>
           <a:prstGeom prst="rect">
             <a:avLst/>
@@ -2139,7 +2139,7 @@
                 <a:spcPct val="100000"/>
               </a:lnSpc>
             </a:pPr>
-            <a:fld id="{31A10181-5101-4111-9101-31B101A13111}" type="slidenum">
+            <a:fld id="{1131B1D1-C181-4151-A141-013171514161}" type="slidenum">
               <a:rPr lang="en-US">
                 <a:solidFill>
                   <a:srgbClr val="000000"/>
@@ -2188,7 +2188,7 @@
         <p:spPr>
           <a:xfrm>
             <a:off x="0" y="0"/>
-            <a:ext cx="11795040" cy="11795040"/>
+            <a:ext cx="11794680" cy="11794680"/>
           </a:xfrm>
           <a:prstGeom prst="rect">
             <a:avLst/>
@@ -2210,7 +2210,7 @@
         <p:spPr>
           <a:xfrm>
             <a:off x="0" y="0"/>
-            <a:ext cx="11795040" cy="11795040"/>
+            <a:ext cx="11794680" cy="11794680"/>
           </a:xfrm>
           <a:prstGeom prst="rect">
             <a:avLst/>
@@ -2224,7 +2224,7 @@
                 <a:spcPct val="100000"/>
               </a:lnSpc>
             </a:pPr>
-            <a:fld id="{B1E1A171-2101-4191-9121-3161B1C171A1}" type="slidenum">
+            <a:fld id="{01D14101-B121-4171-B191-3191D1F161B1}" type="slidenum">
               <a:rPr lang="en-US">
                 <a:solidFill>
                   <a:srgbClr val="000000"/>
@@ -2273,7 +2273,7 @@
         <p:spPr>
           <a:xfrm>
             <a:off x="0" y="0"/>
-            <a:ext cx="11795040" cy="11795040"/>
+            <a:ext cx="11794680" cy="11794680"/>
           </a:xfrm>
           <a:prstGeom prst="rect">
             <a:avLst/>
@@ -2295,7 +2295,7 @@
         <p:spPr>
           <a:xfrm>
             <a:off x="0" y="0"/>
-            <a:ext cx="11795040" cy="11795040"/>
+            <a:ext cx="11794680" cy="11794680"/>
           </a:xfrm>
           <a:prstGeom prst="rect">
             <a:avLst/>
@@ -2309,7 +2309,7 @@
                 <a:spcPct val="100000"/>
               </a:lnSpc>
             </a:pPr>
-            <a:fld id="{11C141B1-4151-4121-B111-2151C1E1A191}" type="slidenum">
+            <a:fld id="{11E1B171-71C1-41B1-A181-91C1217121A1}" type="slidenum">
               <a:rPr lang="en-US">
                 <a:solidFill>
                   <a:srgbClr val="000000"/>
@@ -4934,7 +4934,7 @@
         <p:spPr>
           <a:xfrm>
             <a:off x="714240" y="2132640"/>
-            <a:ext cx="7770240" cy="1582200"/>
+            <a:ext cx="7769880" cy="1581840"/>
           </a:xfrm>
           <a:prstGeom prst="rect">
             <a:avLst/>
@@ -4979,7 +4979,7 @@
         <p:spPr>
           <a:xfrm>
             <a:off x="493200" y="5841360"/>
-            <a:ext cx="3212640" cy="513720"/>
+            <a:ext cx="3212280" cy="513360"/>
           </a:xfrm>
           <a:prstGeom prst="rect">
             <a:avLst/>
@@ -5015,7 +5015,7 @@
         <p:spPr>
           <a:xfrm>
             <a:off x="3715200" y="5748120"/>
-            <a:ext cx="5103360" cy="700200"/>
+            <a:ext cx="5103000" cy="699840"/>
           </a:xfrm>
           <a:prstGeom prst="rect">
             <a:avLst/>
@@ -5141,7 +5141,7 @@
         <p:spPr>
           <a:xfrm>
             <a:off x="457200" y="160920"/>
-            <a:ext cx="8227440" cy="789840"/>
+            <a:ext cx="8227080" cy="789480"/>
           </a:xfrm>
           <a:prstGeom prst="rect">
             <a:avLst/>
@@ -5177,7 +5177,7 @@
         <p:spPr>
           <a:xfrm>
             <a:off x="539640" y="1109880"/>
-            <a:ext cx="8350920" cy="4294080"/>
+            <a:ext cx="8350560" cy="4293720"/>
           </a:xfrm>
           <a:prstGeom prst="rect">
             <a:avLst/>
@@ -5354,7 +5354,7 @@
         <p:spPr>
           <a:xfrm>
             <a:off x="457200" y="160920"/>
-            <a:ext cx="8227440" cy="789840"/>
+            <a:ext cx="8227080" cy="789480"/>
           </a:xfrm>
           <a:prstGeom prst="rect">
             <a:avLst/>
@@ -5390,7 +5390,7 @@
         <p:spPr>
           <a:xfrm>
             <a:off x="251640" y="879120"/>
-            <a:ext cx="8710920" cy="5957280"/>
+            <a:ext cx="8710560" cy="5956920"/>
           </a:xfrm>
           <a:prstGeom prst="rect">
             <a:avLst/>
@@ -5613,7 +5613,7 @@
         <p:spPr>
           <a:xfrm>
             <a:off x="457200" y="160920"/>
-            <a:ext cx="8227440" cy="789840"/>
+            <a:ext cx="8227080" cy="789480"/>
           </a:xfrm>
           <a:prstGeom prst="rect">
             <a:avLst/>
@@ -5649,7 +5649,7 @@
         <p:spPr>
           <a:xfrm>
             <a:off x="251640" y="1052640"/>
-            <a:ext cx="8710920" cy="3288960"/>
+            <a:ext cx="8710560" cy="3288600"/>
           </a:xfrm>
           <a:prstGeom prst="rect">
             <a:avLst/>
@@ -5670,7 +5670,7 @@
                 </a:solidFill>
                 <a:latin typeface="Calibri"/>
               </a:rPr>
-              <a:t>Strafenpunkte</a:t>
+              <a:t>Strafpunkte</a:t>
             </a:r>
             <a:endParaRPr/>
           </a:p>
@@ -5804,7 +5804,7 @@
         <p:spPr>
           <a:xfrm>
             <a:off x="457200" y="160920"/>
-            <a:ext cx="8227440" cy="789840"/>
+            <a:ext cx="8227080" cy="789480"/>
           </a:xfrm>
           <a:prstGeom prst="rect">
             <a:avLst/>
@@ -5840,7 +5840,7 @@
         <p:spPr>
           <a:xfrm>
             <a:off x="610200" y="1668960"/>
-            <a:ext cx="7872840" cy="3379680"/>
+            <a:ext cx="7872480" cy="3379320"/>
           </a:xfrm>
           <a:prstGeom prst="rect">
             <a:avLst/>
@@ -5952,7 +5952,7 @@
         <p:spPr>
           <a:xfrm>
             <a:off x="457200" y="160920"/>
-            <a:ext cx="8227440" cy="789840"/>
+            <a:ext cx="8227080" cy="789480"/>
           </a:xfrm>
           <a:prstGeom prst="rect">
             <a:avLst/>
@@ -5994,7 +5994,7 @@
         <p:spPr>
           <a:xfrm>
             <a:off x="467640" y="836640"/>
-            <a:ext cx="2950200" cy="5746320"/>
+            <a:ext cx="2949840" cy="5745960"/>
           </a:xfrm>
           <a:prstGeom prst="rect">
             <a:avLst/>
@@ -6016,7 +6016,7 @@
         <p:spPr>
           <a:xfrm>
             <a:off x="5004000" y="1628640"/>
-            <a:ext cx="2374200" cy="4141440"/>
+            <a:ext cx="2373840" cy="4141080"/>
           </a:xfrm>
           <a:prstGeom prst="rect">
             <a:avLst/>
@@ -6083,7 +6083,7 @@
         <p:spPr>
           <a:xfrm>
             <a:off x="548640" y="548640"/>
-            <a:ext cx="8227440" cy="1221840"/>
+            <a:ext cx="8227080" cy="1221480"/>
           </a:xfrm>
           <a:prstGeom prst="rect">
             <a:avLst/>
@@ -6119,7 +6119,7 @@
         <p:spPr>
           <a:xfrm>
             <a:off x="395640" y="2187360"/>
-            <a:ext cx="8278920" cy="1155600"/>
+            <a:ext cx="8278560" cy="1155240"/>
           </a:xfrm>
           <a:prstGeom prst="rect">
             <a:avLst/>
@@ -6176,7 +6176,7 @@
         <p:spPr>
           <a:xfrm>
             <a:off x="681120" y="3873600"/>
-            <a:ext cx="1462320" cy="972000"/>
+            <a:ext cx="1461960" cy="971640"/>
           </a:xfrm>
           <a:prstGeom prst="rect">
             <a:avLst/>
@@ -6229,7 +6229,7 @@
         <p:spPr>
           <a:xfrm>
             <a:off x="1920240" y="3873600"/>
-            <a:ext cx="1462320" cy="972000"/>
+            <a:ext cx="1461960" cy="971640"/>
           </a:xfrm>
           <a:prstGeom prst="rect">
             <a:avLst/>
@@ -6280,7 +6280,7 @@
         <p:spPr>
           <a:xfrm>
             <a:off x="3144960" y="3873600"/>
-            <a:ext cx="1919520" cy="972000"/>
+            <a:ext cx="1919160" cy="971640"/>
           </a:xfrm>
           <a:prstGeom prst="rect">
             <a:avLst/>
@@ -6338,7 +6338,7 @@
         <p:spPr>
           <a:xfrm>
             <a:off x="4882320" y="3873600"/>
-            <a:ext cx="1462320" cy="972000"/>
+            <a:ext cx="1461960" cy="971640"/>
           </a:xfrm>
           <a:prstGeom prst="rect">
             <a:avLst/>
@@ -6389,7 +6389,7 @@
         <p:spPr>
           <a:xfrm>
             <a:off x="6162480" y="3873600"/>
-            <a:ext cx="1919520" cy="972000"/>
+            <a:ext cx="1919160" cy="971640"/>
           </a:xfrm>
           <a:prstGeom prst="rect">
             <a:avLst/>
@@ -6485,7 +6485,7 @@
         <p:spPr>
           <a:xfrm>
             <a:off x="-381960" y="12960"/>
-            <a:ext cx="9911520" cy="7171200"/>
+            <a:ext cx="9911160" cy="7170840"/>
           </a:xfrm>
           <a:prstGeom prst="rect">
             <a:avLst/>
@@ -6501,7 +6501,7 @@
         <p:spPr>
           <a:xfrm>
             <a:off x="-20880" y="116640"/>
-            <a:ext cx="9141840" cy="1090800"/>
+            <a:ext cx="9141480" cy="1090440"/>
           </a:xfrm>
           <a:prstGeom prst="rect">
             <a:avLst/>
@@ -6594,7 +6594,7 @@
         <p:spPr>
           <a:xfrm>
             <a:off x="-249120" y="-2160"/>
-            <a:ext cx="9715680" cy="6855840"/>
+            <a:ext cx="9715320" cy="6855480"/>
           </a:xfrm>
           <a:prstGeom prst="rect">
             <a:avLst/>
@@ -6610,7 +6610,7 @@
         <p:spPr>
           <a:xfrm>
             <a:off x="995760" y="3723120"/>
-            <a:ext cx="7598160" cy="2676240"/>
+            <a:ext cx="7597800" cy="2675880"/>
           </a:xfrm>
           <a:prstGeom prst="rect">
             <a:avLst/>
@@ -6697,7 +6697,7 @@
         <p:spPr>
           <a:xfrm>
             <a:off x="457200" y="1589400"/>
-            <a:ext cx="8227440" cy="789840"/>
+            <a:ext cx="8227080" cy="789480"/>
           </a:xfrm>
           <a:prstGeom prst="rect">
             <a:avLst/>
@@ -6733,7 +6733,7 @@
         <p:spPr>
           <a:xfrm>
             <a:off x="611640" y="2507760"/>
-            <a:ext cx="8062560" cy="1916280"/>
+            <a:ext cx="8062200" cy="1915920"/>
           </a:xfrm>
           <a:prstGeom prst="rect">
             <a:avLst/>
@@ -6820,7 +6820,7 @@
         <p:spPr>
           <a:xfrm>
             <a:off x="457200" y="1589400"/>
-            <a:ext cx="8227440" cy="789840"/>
+            <a:ext cx="8227080" cy="789480"/>
           </a:xfrm>
           <a:prstGeom prst="rect">
             <a:avLst/>
@@ -6856,7 +6856,7 @@
         <p:spPr>
           <a:xfrm>
             <a:off x="457200" y="2507760"/>
-            <a:ext cx="8319240" cy="1916280"/>
+            <a:ext cx="8318880" cy="1915920"/>
           </a:xfrm>
           <a:prstGeom prst="rect">
             <a:avLst/>
@@ -6943,7 +6943,7 @@
         <p:spPr>
           <a:xfrm>
             <a:off x="3668760" y="1031040"/>
-            <a:ext cx="4798440" cy="3426840"/>
+            <a:ext cx="4798080" cy="3426480"/>
           </a:xfrm>
           <a:prstGeom prst="rect">
             <a:avLst/>
@@ -7070,7 +7070,7 @@
         <p:spPr>
           <a:xfrm>
             <a:off x="4357440" y="3063960"/>
-            <a:ext cx="722880" cy="722880"/>
+            <a:ext cx="722520" cy="722520"/>
           </a:xfrm>
           <a:prstGeom prst="rect">
             <a:avLst/>
@@ -7092,7 +7092,7 @@
         <p:spPr>
           <a:xfrm>
             <a:off x="4504680" y="2631240"/>
-            <a:ext cx="378720" cy="378720"/>
+            <a:ext cx="378360" cy="378360"/>
           </a:xfrm>
           <a:prstGeom prst="rect">
             <a:avLst/>
@@ -7114,7 +7114,7 @@
         <p:spPr>
           <a:xfrm>
             <a:off x="766800" y="1182600"/>
-            <a:ext cx="3039120" cy="3039120"/>
+            <a:ext cx="3038760" cy="3038760"/>
           </a:xfrm>
           <a:prstGeom prst="rect">
             <a:avLst/>
@@ -7136,7 +7136,7 @@
         <p:spPr>
           <a:xfrm>
             <a:off x="683640" y="4969800"/>
-            <a:ext cx="7878240" cy="1553400"/>
+            <a:ext cx="7877880" cy="1553040"/>
           </a:xfrm>
           <a:prstGeom prst="rect">
             <a:avLst/>
@@ -7174,7 +7174,7 @@
         <p:spPr>
           <a:xfrm>
             <a:off x="457200" y="162000"/>
-            <a:ext cx="8227440" cy="789840"/>
+            <a:ext cx="8227080" cy="789480"/>
           </a:xfrm>
           <a:prstGeom prst="rect">
             <a:avLst/>
@@ -7210,7 +7210,7 @@
         <p:spPr>
           <a:xfrm>
             <a:off x="251640" y="908640"/>
-            <a:ext cx="8638920" cy="1550880"/>
+            <a:ext cx="8638560" cy="1550520"/>
           </a:xfrm>
           <a:prstGeom prst="rect">
             <a:avLst/>
@@ -7246,7 +7246,7 @@
         <p:spPr>
           <a:xfrm>
             <a:off x="251640" y="5580360"/>
-            <a:ext cx="8638920" cy="1062720"/>
+            <a:ext cx="8638560" cy="1062360"/>
           </a:xfrm>
           <a:prstGeom prst="rect">
             <a:avLst/>
@@ -7288,7 +7288,7 @@
         <p:spPr>
           <a:xfrm>
             <a:off x="3060000" y="2771640"/>
-            <a:ext cx="3022200" cy="2743200"/>
+            <a:ext cx="3021840" cy="2742840"/>
           </a:xfrm>
           <a:prstGeom prst="rect">
             <a:avLst/>
@@ -7355,7 +7355,7 @@
         <p:spPr>
           <a:xfrm>
             <a:off x="503280" y="332640"/>
-            <a:ext cx="8227440" cy="717840"/>
+            <a:ext cx="8227080" cy="717480"/>
           </a:xfrm>
           <a:prstGeom prst="rect">
             <a:avLst/>
@@ -7391,7 +7391,7 @@
         <p:spPr>
           <a:xfrm>
             <a:off x="627480" y="1556640"/>
-            <a:ext cx="7978680" cy="4536360"/>
+            <a:ext cx="7978320" cy="4536000"/>
           </a:xfrm>
           <a:prstGeom prst="rect">
             <a:avLst/>
@@ -7518,7 +7518,7 @@
         <p:spPr>
           <a:xfrm>
             <a:off x="457200" y="162000"/>
-            <a:ext cx="8227440" cy="789840"/>
+            <a:ext cx="8227080" cy="789480"/>
           </a:xfrm>
           <a:prstGeom prst="rect">
             <a:avLst/>
@@ -7554,7 +7554,7 @@
         <p:spPr>
           <a:xfrm>
             <a:off x="365760" y="1268640"/>
-            <a:ext cx="8364600" cy="5555880"/>
+            <a:ext cx="8364240" cy="5555520"/>
           </a:xfrm>
           <a:prstGeom prst="rect">
             <a:avLst/>
@@ -7896,7 +7896,7 @@
         <p:spPr>
           <a:xfrm>
             <a:off x="457200" y="162000"/>
-            <a:ext cx="8227440" cy="789840"/>
+            <a:ext cx="8227080" cy="789480"/>
           </a:xfrm>
           <a:prstGeom prst="rect">
             <a:avLst/>
@@ -7932,7 +7932,7 @@
         <p:spPr>
           <a:xfrm>
             <a:off x="3348000" y="1208880"/>
-            <a:ext cx="5398560" cy="5449680"/>
+            <a:ext cx="5398200" cy="5449320"/>
           </a:xfrm>
           <a:prstGeom prst="rect">
             <a:avLst/>
@@ -7999,7 +7999,7 @@
         <p:spPr>
           <a:xfrm>
             <a:off x="591840" y="1556640"/>
-            <a:ext cx="2538000" cy="3388680"/>
+            <a:ext cx="2537640" cy="3388320"/>
           </a:xfrm>
           <a:prstGeom prst="rect">
             <a:avLst/>
@@ -8066,7 +8066,7 @@
         <p:spPr>
           <a:xfrm>
             <a:off x="457200" y="160920"/>
-            <a:ext cx="8227440" cy="789840"/>
+            <a:ext cx="8227080" cy="789480"/>
           </a:xfrm>
           <a:prstGeom prst="rect">
             <a:avLst/>
@@ -8102,7 +8102,7 @@
         <p:spPr>
           <a:xfrm>
             <a:off x="294120" y="980640"/>
-            <a:ext cx="8566920" cy="5571000"/>
+            <a:ext cx="8566560" cy="5570640"/>
           </a:xfrm>
           <a:prstGeom prst="rect">
             <a:avLst/>
@@ -8264,7 +8264,7 @@
         <p:spPr>
           <a:xfrm>
             <a:off x="457200" y="160920"/>
-            <a:ext cx="8227440" cy="789840"/>
+            <a:ext cx="8227080" cy="789480"/>
           </a:xfrm>
           <a:prstGeom prst="rect">
             <a:avLst/>
@@ -8300,7 +8300,7 @@
         <p:spPr>
           <a:xfrm>
             <a:off x="294120" y="1155600"/>
-            <a:ext cx="8566920" cy="2372760"/>
+            <a:ext cx="8566560" cy="2372400"/>
           </a:xfrm>
           <a:prstGeom prst="rect">
             <a:avLst/>
@@ -8416,7 +8416,7 @@
         <p:spPr>
           <a:xfrm>
             <a:off x="457200" y="160920"/>
-            <a:ext cx="8227440" cy="789840"/>
+            <a:ext cx="8227080" cy="789480"/>
           </a:xfrm>
           <a:prstGeom prst="rect">
             <a:avLst/>
@@ -8458,7 +8458,7 @@
         <p:spPr>
           <a:xfrm>
             <a:off x="1274040" y="964800"/>
-            <a:ext cx="6660360" cy="4385520"/>
+            <a:ext cx="6660000" cy="4385160"/>
           </a:xfrm>
           <a:prstGeom prst="rect">
             <a:avLst/>
@@ -8474,7 +8474,7 @@
         <p:spPr>
           <a:xfrm>
             <a:off x="1488600" y="1680120"/>
-            <a:ext cx="1535760" cy="576000"/>
+            <a:ext cx="1535400" cy="575640"/>
           </a:xfrm>
           <a:prstGeom prst="rect">
             <a:avLst/>
@@ -8504,7 +8504,7 @@
         <p:spPr>
           <a:xfrm>
             <a:off x="6394680" y="1680120"/>
-            <a:ext cx="1535760" cy="576000"/>
+            <a:ext cx="1535400" cy="575640"/>
           </a:xfrm>
           <a:prstGeom prst="rect">
             <a:avLst/>
@@ -8534,7 +8534,7 @@
         <p:spPr>
           <a:xfrm>
             <a:off x="320760" y="5373360"/>
-            <a:ext cx="8566920" cy="637200"/>
+            <a:ext cx="8566560" cy="636840"/>
           </a:xfrm>
           <a:prstGeom prst="rect">
             <a:avLst/>
@@ -8621,7 +8621,7 @@
         <p:spPr>
           <a:xfrm>
             <a:off x="457200" y="160920"/>
-            <a:ext cx="8227440" cy="789840"/>
+            <a:ext cx="8227080" cy="789480"/>
           </a:xfrm>
           <a:prstGeom prst="rect">
             <a:avLst/>
@@ -8657,7 +8657,7 @@
         <p:spPr>
           <a:xfrm>
             <a:off x="4068000" y="2322720"/>
-            <a:ext cx="4822200" cy="1734480"/>
+            <a:ext cx="4821840" cy="1734120"/>
           </a:xfrm>
           <a:prstGeom prst="rect">
             <a:avLst/>
@@ -8699,7 +8699,7 @@
         <p:spPr>
           <a:xfrm>
             <a:off x="322920" y="1124640"/>
-            <a:ext cx="3707280" cy="4894560"/>
+            <a:ext cx="3706920" cy="4894200"/>
           </a:xfrm>
           <a:prstGeom prst="rect">
             <a:avLst/>
@@ -8715,7 +8715,7 @@
         <p:spPr>
           <a:xfrm>
             <a:off x="4194360" y="5067360"/>
-            <a:ext cx="4569840" cy="515160"/>
+            <a:ext cx="4569480" cy="514800"/>
           </a:xfrm>
           <a:prstGeom prst="rect">
             <a:avLst/>
@@ -8820,7 +8820,7 @@
         <p:spPr>
           <a:xfrm>
             <a:off x="457200" y="160920"/>
-            <a:ext cx="8227440" cy="789840"/>
+            <a:ext cx="8227080" cy="789480"/>
           </a:xfrm>
           <a:prstGeom prst="rect">
             <a:avLst/>
@@ -8856,7 +8856,7 @@
         <p:spPr>
           <a:xfrm>
             <a:off x="3953520" y="1052640"/>
-            <a:ext cx="4822200" cy="3929040"/>
+            <a:ext cx="4821840" cy="3928680"/>
           </a:xfrm>
           <a:prstGeom prst="rect">
             <a:avLst/>
@@ -8923,7 +8923,7 @@
         <p:spPr>
           <a:xfrm>
             <a:off x="539280" y="980640"/>
-            <a:ext cx="3382200" cy="5347080"/>
+            <a:ext cx="3381840" cy="5346720"/>
           </a:xfrm>
           <a:prstGeom prst="rect">
             <a:avLst/>
@@ -8939,7 +8939,7 @@
         <p:spPr>
           <a:xfrm>
             <a:off x="4079520" y="5244120"/>
-            <a:ext cx="4569840" cy="941040"/>
+            <a:ext cx="4569480" cy="940680"/>
           </a:xfrm>
           <a:prstGeom prst="rect">
             <a:avLst/>
@@ -9044,7 +9044,7 @@
         <p:spPr>
           <a:xfrm>
             <a:off x="457200" y="160920"/>
-            <a:ext cx="8227440" cy="789840"/>
+            <a:ext cx="8227080" cy="789480"/>
           </a:xfrm>
           <a:prstGeom prst="rect">
             <a:avLst/>
@@ -9080,7 +9080,7 @@
         <p:spPr>
           <a:xfrm>
             <a:off x="3852000" y="1109880"/>
-            <a:ext cx="5038560" cy="4477680"/>
+            <a:ext cx="5038200" cy="4477320"/>
           </a:xfrm>
           <a:prstGeom prst="rect">
             <a:avLst/>
@@ -9147,7 +9147,7 @@
         <p:spPr>
           <a:xfrm>
             <a:off x="251640" y="1155240"/>
-            <a:ext cx="3569760" cy="5065200"/>
+            <a:ext cx="3569400" cy="5064840"/>
           </a:xfrm>
           <a:prstGeom prst="rect">
             <a:avLst/>
@@ -9214,7 +9214,7 @@
         <p:spPr>
           <a:xfrm>
             <a:off x="457200" y="160920"/>
-            <a:ext cx="8227440" cy="789840"/>
+            <a:ext cx="8227080" cy="789480"/>
           </a:xfrm>
           <a:prstGeom prst="rect">
             <a:avLst/>
@@ -9250,7 +9250,7 @@
         <p:spPr>
           <a:xfrm>
             <a:off x="3204000" y="993600"/>
-            <a:ext cx="5758560" cy="5512680"/>
+            <a:ext cx="5758200" cy="5512320"/>
           </a:xfrm>
           <a:prstGeom prst="rect">
             <a:avLst/>
@@ -9401,7 +9401,7 @@
         <p:spPr>
           <a:xfrm>
             <a:off x="323640" y="986040"/>
-            <a:ext cx="2691720" cy="5577840"/>
+            <a:ext cx="2691360" cy="5577480"/>
           </a:xfrm>
           <a:prstGeom prst="rect">
             <a:avLst/>
